--- a/doc/Presentation/Защита проекта.pptx
+++ b/doc/Presentation/Защита проекта.pptx
@@ -5,7 +5,7 @@
     <p:sldMasterId id="2147483675" r:id="rId1"/>
   </p:sldMasterIdLst>
   <p:notesMasterIdLst>
-    <p:notesMasterId r:id="rId26"/>
+    <p:notesMasterId r:id="rId25"/>
   </p:notesMasterIdLst>
   <p:sldIdLst>
     <p:sldId id="256" r:id="rId2"/>
@@ -28,27 +28,26 @@
     <p:sldId id="282" r:id="rId19"/>
     <p:sldId id="284" r:id="rId20"/>
     <p:sldId id="285" r:id="rId21"/>
-    <p:sldId id="287" r:id="rId22"/>
-    <p:sldId id="288" r:id="rId23"/>
-    <p:sldId id="265" r:id="rId24"/>
-    <p:sldId id="266" r:id="rId25"/>
+    <p:sldId id="288" r:id="rId22"/>
+    <p:sldId id="265" r:id="rId23"/>
+    <p:sldId id="266" r:id="rId24"/>
   </p:sldIdLst>
   <p:sldSz cx="9144000" cy="6858000" type="screen4x3"/>
   <p:notesSz cx="6858000" cy="9144000"/>
   <p:embeddedFontLst>
     <p:embeddedFont>
       <p:font typeface="Consolas" panose="020B0609020204030204" pitchFamily="49" charset="0"/>
-      <p:regular r:id="rId27"/>
-      <p:bold r:id="rId28"/>
-      <p:italic r:id="rId29"/>
-      <p:boldItalic r:id="rId30"/>
+      <p:regular r:id="rId26"/>
+      <p:bold r:id="rId27"/>
+      <p:italic r:id="rId28"/>
+      <p:boldItalic r:id="rId29"/>
     </p:embeddedFont>
     <p:embeddedFont>
       <p:font typeface="Roboto" panose="02000000000000000000" pitchFamily="2" charset="0"/>
-      <p:regular r:id="rId31"/>
-      <p:bold r:id="rId32"/>
-      <p:italic r:id="rId33"/>
-      <p:boldItalic r:id="rId34"/>
+      <p:regular r:id="rId30"/>
+      <p:bold r:id="rId31"/>
+      <p:italic r:id="rId32"/>
+      <p:boldItalic r:id="rId33"/>
     </p:embeddedFont>
   </p:embeddedFontLst>
   <p:defaultTextStyle>
@@ -13546,125 +13545,6 @@
         <p:cNvPr id="1" name="">
           <a:extLst>
             <a:ext uri="{FF2B5EF4-FFF2-40B4-BE49-F238E27FC236}">
-              <a16:creationId xmlns:a16="http://schemas.microsoft.com/office/drawing/2014/main" id="{AD50800A-258A-EEC3-FB05-EDCE0F36B9D4}"/>
-            </a:ext>
-          </a:extLst>
-        </p:cNvPr>
-        <p:cNvGrpSpPr/>
-        <p:nvPr/>
-      </p:nvGrpSpPr>
-      <p:grpSpPr>
-        <a:xfrm>
-          <a:off x="0" y="0"/>
-          <a:ext cx="0" cy="0"/>
-          <a:chOff x="0" y="0"/>
-          <a:chExt cx="0" cy="0"/>
-        </a:xfrm>
-      </p:grpSpPr>
-      <p:sp>
-        <p:nvSpPr>
-          <p:cNvPr id="2" name="Заголовок 1">
-            <a:extLst>
-              <a:ext uri="{FF2B5EF4-FFF2-40B4-BE49-F238E27FC236}">
-                <a16:creationId xmlns:a16="http://schemas.microsoft.com/office/drawing/2014/main" id="{60FF0F8E-2231-B09D-92DA-469D2A6BB4A0}"/>
-              </a:ext>
-            </a:extLst>
-          </p:cNvPr>
-          <p:cNvSpPr>
-            <a:spLocks noGrp="1"/>
-          </p:cNvSpPr>
-          <p:nvPr>
-            <p:ph type="title"/>
-          </p:nvPr>
-        </p:nvSpPr>
-        <p:spPr>
-          <a:xfrm>
-            <a:off x="500550" y="440981"/>
-            <a:ext cx="8520600" cy="670643"/>
-          </a:xfrm>
-        </p:spPr>
-        <p:txBody>
-          <a:bodyPr/>
-          <a:lstStyle/>
-          <a:p>
-            <a:r>
-              <a:rPr lang="ru-RU" dirty="0"/>
-              <a:t>Сценарное </a:t>
-            </a:r>
-            <a:br>
-              <a:rPr lang="ru-RU" dirty="0"/>
-            </a:br>
-            <a:r>
-              <a:rPr lang="ru-RU" dirty="0"/>
-              <a:t>тестирование</a:t>
-            </a:r>
-            <a:br>
-              <a:rPr lang="ru-RU" dirty="0"/>
-            </a:br>
-            <a:br>
-              <a:rPr lang="ru-RU" dirty="0"/>
-            </a:br>
-            <a:br>
-              <a:rPr lang="ru-RU" sz="1400" dirty="0">
-                <a:latin typeface="Times New Roman" panose="02020603050405020304" pitchFamily="18" charset="0"/>
-                <a:cs typeface="Times New Roman" panose="02020603050405020304" pitchFamily="18" charset="0"/>
-              </a:rPr>
-            </a:br>
-            <a:endParaRPr lang="ru-RU" dirty="0"/>
-          </a:p>
-        </p:txBody>
-      </p:sp>
-      <p:pic>
-        <p:nvPicPr>
-          <p:cNvPr id="4" name="Рисунок 3">
-            <a:extLst>
-              <a:ext uri="{FF2B5EF4-FFF2-40B4-BE49-F238E27FC236}">
-                <a16:creationId xmlns:a16="http://schemas.microsoft.com/office/drawing/2014/main" id="{905ED7BB-F03C-F924-FD38-EB43A2479BF8}"/>
-              </a:ext>
-            </a:extLst>
-          </p:cNvPr>
-          <p:cNvPicPr>
-            <a:picLocks noChangeAspect="1"/>
-          </p:cNvPicPr>
-          <p:nvPr/>
-        </p:nvPicPr>
-        <p:blipFill>
-          <a:blip r:embed="rId2"/>
-          <a:stretch>
-            <a:fillRect/>
-          </a:stretch>
-        </p:blipFill>
-        <p:spPr>
-          <a:xfrm>
-            <a:off x="3418171" y="440981"/>
-            <a:ext cx="5602979" cy="5823681"/>
-          </a:xfrm>
-          <a:prstGeom prst="rect">
-            <a:avLst/>
-          </a:prstGeom>
-        </p:spPr>
-      </p:pic>
-    </p:spTree>
-    <p:extLst>
-      <p:ext uri="{BB962C8B-B14F-4D97-AF65-F5344CB8AC3E}">
-        <p14:creationId xmlns:p14="http://schemas.microsoft.com/office/powerpoint/2010/main" val="4019998543"/>
-      </p:ext>
-    </p:extLst>
-  </p:cSld>
-  <p:clrMapOvr>
-    <a:masterClrMapping/>
-  </p:clrMapOvr>
-</p:sld>
-</file>
-
-<file path=ppt/slides/slide22.xml><?xml version="1.0" encoding="utf-8"?>
-<p:sld xmlns:a="http://schemas.openxmlformats.org/drawingml/2006/main" xmlns:r="http://schemas.openxmlformats.org/officeDocument/2006/relationships" xmlns:p="http://schemas.openxmlformats.org/presentationml/2006/main">
-  <p:cSld>
-    <p:spTree>
-      <p:nvGrpSpPr>
-        <p:cNvPr id="1" name="">
-          <a:extLst>
-            <a:ext uri="{FF2B5EF4-FFF2-40B4-BE49-F238E27FC236}">
               <a16:creationId xmlns:a16="http://schemas.microsoft.com/office/drawing/2014/main" id="{0C641689-E66E-7890-4927-4F9F8814C916}"/>
             </a:ext>
           </a:extLst>
@@ -13776,7 +13656,7 @@
 </p:sld>
 </file>
 
-<file path=ppt/slides/slide23.xml><?xml version="1.0" encoding="utf-8"?>
+<file path=ppt/slides/slide22.xml><?xml version="1.0" encoding="utf-8"?>
 <p:sld xmlns:a="http://schemas.openxmlformats.org/drawingml/2006/main" xmlns:r="http://schemas.openxmlformats.org/officeDocument/2006/relationships" xmlns:p="http://schemas.openxmlformats.org/presentationml/2006/main">
   <p:cSld>
     <p:spTree>
@@ -14397,7 +14277,7 @@
 </p:sld>
 </file>
 
-<file path=ppt/slides/slide24.xml><?xml version="1.0" encoding="utf-8"?>
+<file path=ppt/slides/slide23.xml><?xml version="1.0" encoding="utf-8"?>
 <p:sld xmlns:a="http://schemas.openxmlformats.org/drawingml/2006/main" xmlns:r="http://schemas.openxmlformats.org/officeDocument/2006/relationships" xmlns:p="http://schemas.openxmlformats.org/presentationml/2006/main">
   <p:cSld>
     <p:spTree>

--- a/doc/Presentation/Защита проекта.pptx
+++ b/doc/Presentation/Защита проекта.pptx
@@ -9525,36 +9525,6 @@
           <a:chExt cx="0" cy="0"/>
         </a:xfrm>
       </p:grpSpPr>
-      <p:pic>
-        <p:nvPicPr>
-          <p:cNvPr id="4" name="Рисунок 3">
-            <a:extLst>
-              <a:ext uri="{FF2B5EF4-FFF2-40B4-BE49-F238E27FC236}">
-                <a16:creationId xmlns:a16="http://schemas.microsoft.com/office/drawing/2014/main" id="{67129BC8-97DB-0503-9D01-AA2F7D7AE990}"/>
-              </a:ext>
-            </a:extLst>
-          </p:cNvPr>
-          <p:cNvPicPr>
-            <a:picLocks noChangeAspect="1"/>
-          </p:cNvPicPr>
-          <p:nvPr/>
-        </p:nvPicPr>
-        <p:blipFill>
-          <a:blip r:embed="rId2"/>
-          <a:stretch>
-            <a:fillRect/>
-          </a:stretch>
-        </p:blipFill>
-        <p:spPr>
-          <a:xfrm>
-            <a:off x="1640821" y="1094081"/>
-            <a:ext cx="5629275" cy="5057775"/>
-          </a:xfrm>
-          <a:prstGeom prst="rect">
-            <a:avLst/>
-          </a:prstGeom>
-        </p:spPr>
-      </p:pic>
       <p:sp>
         <p:nvSpPr>
           <p:cNvPr id="5" name="Заголовок 1">
@@ -9596,6 +9566,36 @@
           </a:p>
         </p:txBody>
       </p:sp>
+      <p:pic>
+        <p:nvPicPr>
+          <p:cNvPr id="3" name="Рисунок 2">
+            <a:extLst>
+              <a:ext uri="{FF2B5EF4-FFF2-40B4-BE49-F238E27FC236}">
+                <a16:creationId xmlns:a16="http://schemas.microsoft.com/office/drawing/2014/main" id="{F6E8DA8C-C8CF-42D3-9305-35A636AEFE66}"/>
+              </a:ext>
+            </a:extLst>
+          </p:cNvPr>
+          <p:cNvPicPr>
+            <a:picLocks noChangeAspect="1"/>
+          </p:cNvPicPr>
+          <p:nvPr/>
+        </p:nvPicPr>
+        <p:blipFill>
+          <a:blip r:embed="rId2"/>
+          <a:stretch>
+            <a:fillRect/>
+          </a:stretch>
+        </p:blipFill>
+        <p:spPr>
+          <a:xfrm>
+            <a:off x="0" y="1076601"/>
+            <a:ext cx="9144000" cy="4704797"/>
+          </a:xfrm>
+          <a:prstGeom prst="rect">
+            <a:avLst/>
+          </a:prstGeom>
+        </p:spPr>
+      </p:pic>
     </p:spTree>
     <p:extLst>
       <p:ext uri="{BB962C8B-B14F-4D97-AF65-F5344CB8AC3E}">
@@ -9664,10 +9664,10 @@
       </p:sp>
       <p:pic>
         <p:nvPicPr>
-          <p:cNvPr id="4" name="Рисунок 3">
+          <p:cNvPr id="5" name="Рисунок 4">
             <a:extLst>
               <a:ext uri="{FF2B5EF4-FFF2-40B4-BE49-F238E27FC236}">
-                <a16:creationId xmlns:a16="http://schemas.microsoft.com/office/drawing/2014/main" id="{DA0063E6-0075-FACA-C02B-776D430941D5}"/>
+                <a16:creationId xmlns:a16="http://schemas.microsoft.com/office/drawing/2014/main" id="{22CF4220-1C5F-4FD9-8E59-0C957BC55607}"/>
               </a:ext>
             </a:extLst>
           </p:cNvPr>
@@ -9684,8 +9684,8 @@
         </p:blipFill>
         <p:spPr>
           <a:xfrm>
-            <a:off x="147637" y="947737"/>
-            <a:ext cx="8848725" cy="4962525"/>
+            <a:off x="0" y="1292879"/>
+            <a:ext cx="9144000" cy="4272241"/>
           </a:xfrm>
           <a:prstGeom prst="rect">
             <a:avLst/>

--- a/doc/Presentation/Защита проекта.pptx
+++ b/doc/Presentation/Защита проекта.pptx
@@ -5,7 +5,7 @@
     <p:sldMasterId id="2147483675" r:id="rId1"/>
   </p:sldMasterIdLst>
   <p:notesMasterIdLst>
-    <p:notesMasterId r:id="rId25"/>
+    <p:notesMasterId r:id="rId26"/>
   </p:notesMasterIdLst>
   <p:sldIdLst>
     <p:sldId id="256" r:id="rId2"/>
@@ -19,35 +19,36 @@
     <p:sldId id="264" r:id="rId10"/>
     <p:sldId id="275" r:id="rId11"/>
     <p:sldId id="276" r:id="rId12"/>
-    <p:sldId id="277" r:id="rId13"/>
-    <p:sldId id="278" r:id="rId14"/>
-    <p:sldId id="279" r:id="rId15"/>
-    <p:sldId id="280" r:id="rId16"/>
-    <p:sldId id="281" r:id="rId17"/>
-    <p:sldId id="283" r:id="rId18"/>
-    <p:sldId id="282" r:id="rId19"/>
-    <p:sldId id="284" r:id="rId20"/>
-    <p:sldId id="285" r:id="rId21"/>
-    <p:sldId id="288" r:id="rId22"/>
-    <p:sldId id="265" r:id="rId23"/>
-    <p:sldId id="266" r:id="rId24"/>
+    <p:sldId id="289" r:id="rId13"/>
+    <p:sldId id="277" r:id="rId14"/>
+    <p:sldId id="278" r:id="rId15"/>
+    <p:sldId id="279" r:id="rId16"/>
+    <p:sldId id="280" r:id="rId17"/>
+    <p:sldId id="281" r:id="rId18"/>
+    <p:sldId id="283" r:id="rId19"/>
+    <p:sldId id="282" r:id="rId20"/>
+    <p:sldId id="284" r:id="rId21"/>
+    <p:sldId id="285" r:id="rId22"/>
+    <p:sldId id="288" r:id="rId23"/>
+    <p:sldId id="265" r:id="rId24"/>
+    <p:sldId id="266" r:id="rId25"/>
   </p:sldIdLst>
   <p:sldSz cx="9144000" cy="6858000" type="screen4x3"/>
   <p:notesSz cx="6858000" cy="9144000"/>
   <p:embeddedFontLst>
     <p:embeddedFont>
       <p:font typeface="Consolas" panose="020B0609020204030204" pitchFamily="49" charset="0"/>
-      <p:regular r:id="rId26"/>
-      <p:bold r:id="rId27"/>
-      <p:italic r:id="rId28"/>
-      <p:boldItalic r:id="rId29"/>
+      <p:regular r:id="rId27"/>
+      <p:bold r:id="rId28"/>
+      <p:italic r:id="rId29"/>
+      <p:boldItalic r:id="rId30"/>
     </p:embeddedFont>
     <p:embeddedFont>
       <p:font typeface="Roboto" panose="02000000000000000000" pitchFamily="2" charset="0"/>
-      <p:regular r:id="rId30"/>
-      <p:bold r:id="rId31"/>
-      <p:italic r:id="rId32"/>
-      <p:boldItalic r:id="rId33"/>
+      <p:regular r:id="rId31"/>
+      <p:bold r:id="rId32"/>
+      <p:italic r:id="rId33"/>
+      <p:boldItalic r:id="rId34"/>
     </p:embeddedFont>
   </p:embeddedFontLst>
   <p:defaultTextStyle>
@@ -9727,6 +9728,99 @@
           <p:cNvPr id="2" name="Заголовок 1">
             <a:extLst>
               <a:ext uri="{FF2B5EF4-FFF2-40B4-BE49-F238E27FC236}">
+                <a16:creationId xmlns:a16="http://schemas.microsoft.com/office/drawing/2014/main" id="{15E007A9-0D1E-4502-A104-001936A6D7B4}"/>
+              </a:ext>
+            </a:extLst>
+          </p:cNvPr>
+          <p:cNvSpPr>
+            <a:spLocks noGrp="1"/>
+          </p:cNvSpPr>
+          <p:nvPr>
+            <p:ph type="title"/>
+          </p:nvPr>
+        </p:nvSpPr>
+        <p:spPr/>
+        <p:txBody>
+          <a:bodyPr/>
+          <a:lstStyle/>
+          <a:p>
+            <a:r>
+              <a:rPr lang="ru-RU" dirty="0"/>
+              <a:t>Диаграмма </a:t>
+            </a:r>
+            <a:r>
+              <a:rPr lang="en-US" dirty="0"/>
+              <a:t>ER</a:t>
+            </a:r>
+            <a:endParaRPr lang="ru-RU" dirty="0"/>
+          </a:p>
+        </p:txBody>
+      </p:sp>
+      <p:pic>
+        <p:nvPicPr>
+          <p:cNvPr id="4" name="Рисунок 3">
+            <a:extLst>
+              <a:ext uri="{FF2B5EF4-FFF2-40B4-BE49-F238E27FC236}">
+                <a16:creationId xmlns:a16="http://schemas.microsoft.com/office/drawing/2014/main" id="{0F11E2BB-CC24-45C2-9294-C828FE94AE17}"/>
+              </a:ext>
+            </a:extLst>
+          </p:cNvPr>
+          <p:cNvPicPr>
+            <a:picLocks noChangeAspect="1"/>
+          </p:cNvPicPr>
+          <p:nvPr/>
+        </p:nvPicPr>
+        <p:blipFill>
+          <a:blip r:embed="rId2"/>
+          <a:stretch>
+            <a:fillRect/>
+          </a:stretch>
+        </p:blipFill>
+        <p:spPr>
+          <a:xfrm>
+            <a:off x="1076325" y="1094081"/>
+            <a:ext cx="5000625" cy="5539278"/>
+          </a:xfrm>
+          <a:prstGeom prst="rect">
+            <a:avLst/>
+          </a:prstGeom>
+        </p:spPr>
+      </p:pic>
+    </p:spTree>
+    <p:extLst>
+      <p:ext uri="{BB962C8B-B14F-4D97-AF65-F5344CB8AC3E}">
+        <p14:creationId xmlns:p14="http://schemas.microsoft.com/office/powerpoint/2010/main" val="2280004443"/>
+      </p:ext>
+    </p:extLst>
+  </p:cSld>
+  <p:clrMapOvr>
+    <a:masterClrMapping/>
+  </p:clrMapOvr>
+</p:sld>
+</file>
+
+<file path=ppt/slides/slide13.xml><?xml version="1.0" encoding="utf-8"?>
+<p:sld xmlns:a="http://schemas.openxmlformats.org/drawingml/2006/main" xmlns:r="http://schemas.openxmlformats.org/officeDocument/2006/relationships" xmlns:p="http://schemas.openxmlformats.org/presentationml/2006/main">
+  <p:cSld>
+    <p:spTree>
+      <p:nvGrpSpPr>
+        <p:cNvPr id="1" name=""/>
+        <p:cNvGrpSpPr/>
+        <p:nvPr/>
+      </p:nvGrpSpPr>
+      <p:grpSpPr>
+        <a:xfrm>
+          <a:off x="0" y="0"/>
+          <a:ext cx="0" cy="0"/>
+          <a:chOff x="0" y="0"/>
+          <a:chExt cx="0" cy="0"/>
+        </a:xfrm>
+      </p:grpSpPr>
+      <p:sp>
+        <p:nvSpPr>
+          <p:cNvPr id="2" name="Заголовок 1">
+            <a:extLst>
+              <a:ext uri="{FF2B5EF4-FFF2-40B4-BE49-F238E27FC236}">
                 <a16:creationId xmlns:a16="http://schemas.microsoft.com/office/drawing/2014/main" id="{FB4B563F-942F-697D-F70F-49965F8A22C5}"/>
               </a:ext>
             </a:extLst>
@@ -9800,7 +9894,7 @@
 </p:sld>
 </file>
 
-<file path=ppt/slides/slide13.xml><?xml version="1.0" encoding="utf-8"?>
+<file path=ppt/slides/slide14.xml><?xml version="1.0" encoding="utf-8"?>
 <p:sld xmlns:a="http://schemas.openxmlformats.org/drawingml/2006/main" xmlns:r="http://schemas.openxmlformats.org/officeDocument/2006/relationships" xmlns:p="http://schemas.openxmlformats.org/presentationml/2006/main">
   <p:cSld>
     <p:spTree>
@@ -10264,7 +10358,7 @@
 </p:sld>
 </file>
 
-<file path=ppt/slides/slide14.xml><?xml version="1.0" encoding="utf-8"?>
+<file path=ppt/slides/slide15.xml><?xml version="1.0" encoding="utf-8"?>
 <p:sld xmlns:a="http://schemas.openxmlformats.org/drawingml/2006/main" xmlns:r="http://schemas.openxmlformats.org/officeDocument/2006/relationships" xmlns:p="http://schemas.openxmlformats.org/presentationml/2006/main">
   <p:cSld>
     <p:spTree>
@@ -10674,7 +10768,7 @@
 </p:sld>
 </file>
 
-<file path=ppt/slides/slide15.xml><?xml version="1.0" encoding="utf-8"?>
+<file path=ppt/slides/slide16.xml><?xml version="1.0" encoding="utf-8"?>
 <p:sld xmlns:a="http://schemas.openxmlformats.org/drawingml/2006/main" xmlns:r="http://schemas.openxmlformats.org/officeDocument/2006/relationships" xmlns:p="http://schemas.openxmlformats.org/presentationml/2006/main">
   <p:cSld>
     <p:spTree>
@@ -11135,7 +11229,7 @@
 </p:sld>
 </file>
 
-<file path=ppt/slides/slide16.xml><?xml version="1.0" encoding="utf-8"?>
+<file path=ppt/slides/slide17.xml><?xml version="1.0" encoding="utf-8"?>
 <p:sld xmlns:a="http://schemas.openxmlformats.org/drawingml/2006/main" xmlns:r="http://schemas.openxmlformats.org/officeDocument/2006/relationships" xmlns:p="http://schemas.openxmlformats.org/presentationml/2006/main">
   <p:cSld>
     <p:spTree>
@@ -11545,7 +11639,7 @@
 </p:sld>
 </file>
 
-<file path=ppt/slides/slide17.xml><?xml version="1.0" encoding="utf-8"?>
+<file path=ppt/slides/slide18.xml><?xml version="1.0" encoding="utf-8"?>
 <p:sld xmlns:a="http://schemas.openxmlformats.org/drawingml/2006/main" xmlns:r="http://schemas.openxmlformats.org/officeDocument/2006/relationships" xmlns:p="http://schemas.openxmlformats.org/presentationml/2006/main">
   <p:cSld>
     <p:spTree>
@@ -11922,7 +12016,7 @@
 </p:sld>
 </file>
 
-<file path=ppt/slides/slide18.xml><?xml version="1.0" encoding="utf-8"?>
+<file path=ppt/slides/slide19.xml><?xml version="1.0" encoding="utf-8"?>
 <p:sld xmlns:a="http://schemas.openxmlformats.org/drawingml/2006/main" xmlns:r="http://schemas.openxmlformats.org/officeDocument/2006/relationships" xmlns:p="http://schemas.openxmlformats.org/presentationml/2006/main">
   <p:cSld>
     <p:spTree>
@@ -12352,7 +12446,176 @@
 </p:sld>
 </file>
 
-<file path=ppt/slides/slide19.xml><?xml version="1.0" encoding="utf-8"?>
+<file path=ppt/slides/slide2.xml><?xml version="1.0" encoding="utf-8"?>
+<p:sld xmlns:a="http://schemas.openxmlformats.org/drawingml/2006/main" xmlns:r="http://schemas.openxmlformats.org/officeDocument/2006/relationships" xmlns:p="http://schemas.openxmlformats.org/presentationml/2006/main">
+  <p:cSld>
+    <p:spTree>
+      <p:nvGrpSpPr>
+        <p:cNvPr id="1" name="Shape 134"/>
+        <p:cNvGrpSpPr/>
+        <p:nvPr/>
+      </p:nvGrpSpPr>
+      <p:grpSpPr>
+        <a:xfrm>
+          <a:off x="0" y="0"/>
+          <a:ext cx="0" cy="0"/>
+          <a:chOff x="0" y="0"/>
+          <a:chExt cx="0" cy="0"/>
+        </a:xfrm>
+      </p:grpSpPr>
+      <p:sp>
+        <p:nvSpPr>
+          <p:cNvPr id="135" name="Google Shape;135;p31"/>
+          <p:cNvSpPr txBox="1"/>
+          <p:nvPr/>
+        </p:nvSpPr>
+        <p:spPr>
+          <a:xfrm>
+            <a:off x="766725" y="2728150"/>
+            <a:ext cx="7935300" cy="1122300"/>
+          </a:xfrm>
+          <a:prstGeom prst="rect">
+            <a:avLst/>
+          </a:prstGeom>
+          <a:noFill/>
+          <a:ln>
+            <a:noFill/>
+          </a:ln>
+        </p:spPr>
+        <p:txBody>
+          <a:bodyPr spcFirstLastPara="1" wrap="square" lIns="91425" tIns="91425" rIns="91425" bIns="91425" anchor="ctr" anchorCtr="0">
+            <a:noAutofit/>
+          </a:bodyPr>
+          <a:lstStyle/>
+          <a:p>
+            <a:pPr marL="0" lvl="0" indent="0" algn="l" rtl="0">
+              <a:spcBef>
+                <a:spcPts val="0"/>
+              </a:spcBef>
+              <a:spcAft>
+                <a:spcPts val="0"/>
+              </a:spcAft>
+              <a:buNone/>
+            </a:pPr>
+            <a:r>
+              <a:rPr lang="ru" sz="5000" b="1">
+                <a:solidFill>
+                  <a:srgbClr val="000000"/>
+                </a:solidFill>
+                <a:latin typeface="Roboto"/>
+                <a:ea typeface="Roboto"/>
+                <a:cs typeface="Roboto"/>
+                <a:sym typeface="Roboto"/>
+              </a:rPr>
+              <a:t>Меня хорошо видно</a:t>
+            </a:r>
+            <a:endParaRPr sz="5000" b="1">
+              <a:solidFill>
+                <a:srgbClr val="000000"/>
+              </a:solidFill>
+              <a:latin typeface="Roboto"/>
+              <a:ea typeface="Roboto"/>
+              <a:cs typeface="Roboto"/>
+              <a:sym typeface="Roboto"/>
+            </a:endParaRPr>
+          </a:p>
+          <a:p>
+            <a:pPr marL="0" lvl="0" indent="0" algn="l" rtl="0">
+              <a:spcBef>
+                <a:spcPts val="0"/>
+              </a:spcBef>
+              <a:spcAft>
+                <a:spcPts val="0"/>
+              </a:spcAft>
+              <a:buNone/>
+            </a:pPr>
+            <a:r>
+              <a:rPr lang="ru" sz="5000" b="1">
+                <a:solidFill>
+                  <a:srgbClr val="000000"/>
+                </a:solidFill>
+                <a:latin typeface="Roboto"/>
+                <a:ea typeface="Roboto"/>
+                <a:cs typeface="Roboto"/>
+                <a:sym typeface="Roboto"/>
+              </a:rPr>
+              <a:t>&amp; слышно?</a:t>
+            </a:r>
+            <a:endParaRPr sz="5000" b="1">
+              <a:solidFill>
+                <a:srgbClr val="000000"/>
+              </a:solidFill>
+              <a:latin typeface="Roboto"/>
+              <a:ea typeface="Roboto"/>
+              <a:cs typeface="Roboto"/>
+              <a:sym typeface="Roboto"/>
+            </a:endParaRPr>
+          </a:p>
+        </p:txBody>
+      </p:sp>
+      <p:pic>
+        <p:nvPicPr>
+          <p:cNvPr id="136" name="Google Shape;136;p31"/>
+          <p:cNvPicPr preferRelativeResize="0"/>
+          <p:nvPr/>
+        </p:nvPicPr>
+        <p:blipFill rotWithShape="1">
+          <a:blip r:embed="rId3">
+            <a:alphaModFix/>
+          </a:blip>
+          <a:srcRect/>
+          <a:stretch/>
+        </p:blipFill>
+        <p:spPr>
+          <a:xfrm>
+            <a:off x="857275" y="4383575"/>
+            <a:ext cx="702395" cy="702400"/>
+          </a:xfrm>
+          <a:prstGeom prst="rect">
+            <a:avLst/>
+          </a:prstGeom>
+          <a:noFill/>
+          <a:ln>
+            <a:noFill/>
+          </a:ln>
+        </p:spPr>
+      </p:pic>
+      <p:pic>
+        <p:nvPicPr>
+          <p:cNvPr id="137" name="Google Shape;137;p31"/>
+          <p:cNvPicPr preferRelativeResize="0"/>
+          <p:nvPr/>
+        </p:nvPicPr>
+        <p:blipFill rotWithShape="1">
+          <a:blip r:embed="rId4">
+            <a:alphaModFix/>
+          </a:blip>
+          <a:srcRect/>
+          <a:stretch/>
+        </p:blipFill>
+        <p:spPr>
+          <a:xfrm>
+            <a:off x="1737256" y="4383575"/>
+            <a:ext cx="702395" cy="702400"/>
+          </a:xfrm>
+          <a:prstGeom prst="rect">
+            <a:avLst/>
+          </a:prstGeom>
+          <a:noFill/>
+          <a:ln>
+            <a:noFill/>
+          </a:ln>
+        </p:spPr>
+      </p:pic>
+    </p:spTree>
+  </p:cSld>
+  <p:clrMapOvr>
+    <a:masterClrMapping/>
+  </p:clrMapOvr>
+</p:sld>
+</file>
+
+<file path=ppt/slides/slide20.xml><?xml version="1.0" encoding="utf-8"?>
 <p:sld xmlns:a="http://schemas.openxmlformats.org/drawingml/2006/main" xmlns:r="http://schemas.openxmlformats.org/officeDocument/2006/relationships" xmlns:p="http://schemas.openxmlformats.org/presentationml/2006/main">
   <p:cSld>
     <p:spTree>
@@ -12866,176 +13129,7 @@
 </p:sld>
 </file>
 
-<file path=ppt/slides/slide2.xml><?xml version="1.0" encoding="utf-8"?>
-<p:sld xmlns:a="http://schemas.openxmlformats.org/drawingml/2006/main" xmlns:r="http://schemas.openxmlformats.org/officeDocument/2006/relationships" xmlns:p="http://schemas.openxmlformats.org/presentationml/2006/main">
-  <p:cSld>
-    <p:spTree>
-      <p:nvGrpSpPr>
-        <p:cNvPr id="1" name="Shape 134"/>
-        <p:cNvGrpSpPr/>
-        <p:nvPr/>
-      </p:nvGrpSpPr>
-      <p:grpSpPr>
-        <a:xfrm>
-          <a:off x="0" y="0"/>
-          <a:ext cx="0" cy="0"/>
-          <a:chOff x="0" y="0"/>
-          <a:chExt cx="0" cy="0"/>
-        </a:xfrm>
-      </p:grpSpPr>
-      <p:sp>
-        <p:nvSpPr>
-          <p:cNvPr id="135" name="Google Shape;135;p31"/>
-          <p:cNvSpPr txBox="1"/>
-          <p:nvPr/>
-        </p:nvSpPr>
-        <p:spPr>
-          <a:xfrm>
-            <a:off x="766725" y="2728150"/>
-            <a:ext cx="7935300" cy="1122300"/>
-          </a:xfrm>
-          <a:prstGeom prst="rect">
-            <a:avLst/>
-          </a:prstGeom>
-          <a:noFill/>
-          <a:ln>
-            <a:noFill/>
-          </a:ln>
-        </p:spPr>
-        <p:txBody>
-          <a:bodyPr spcFirstLastPara="1" wrap="square" lIns="91425" tIns="91425" rIns="91425" bIns="91425" anchor="ctr" anchorCtr="0">
-            <a:noAutofit/>
-          </a:bodyPr>
-          <a:lstStyle/>
-          <a:p>
-            <a:pPr marL="0" lvl="0" indent="0" algn="l" rtl="0">
-              <a:spcBef>
-                <a:spcPts val="0"/>
-              </a:spcBef>
-              <a:spcAft>
-                <a:spcPts val="0"/>
-              </a:spcAft>
-              <a:buNone/>
-            </a:pPr>
-            <a:r>
-              <a:rPr lang="ru" sz="5000" b="1">
-                <a:solidFill>
-                  <a:srgbClr val="000000"/>
-                </a:solidFill>
-                <a:latin typeface="Roboto"/>
-                <a:ea typeface="Roboto"/>
-                <a:cs typeface="Roboto"/>
-                <a:sym typeface="Roboto"/>
-              </a:rPr>
-              <a:t>Меня хорошо видно</a:t>
-            </a:r>
-            <a:endParaRPr sz="5000" b="1">
-              <a:solidFill>
-                <a:srgbClr val="000000"/>
-              </a:solidFill>
-              <a:latin typeface="Roboto"/>
-              <a:ea typeface="Roboto"/>
-              <a:cs typeface="Roboto"/>
-              <a:sym typeface="Roboto"/>
-            </a:endParaRPr>
-          </a:p>
-          <a:p>
-            <a:pPr marL="0" lvl="0" indent="0" algn="l" rtl="0">
-              <a:spcBef>
-                <a:spcPts val="0"/>
-              </a:spcBef>
-              <a:spcAft>
-                <a:spcPts val="0"/>
-              </a:spcAft>
-              <a:buNone/>
-            </a:pPr>
-            <a:r>
-              <a:rPr lang="ru" sz="5000" b="1">
-                <a:solidFill>
-                  <a:srgbClr val="000000"/>
-                </a:solidFill>
-                <a:latin typeface="Roboto"/>
-                <a:ea typeface="Roboto"/>
-                <a:cs typeface="Roboto"/>
-                <a:sym typeface="Roboto"/>
-              </a:rPr>
-              <a:t>&amp; слышно?</a:t>
-            </a:r>
-            <a:endParaRPr sz="5000" b="1">
-              <a:solidFill>
-                <a:srgbClr val="000000"/>
-              </a:solidFill>
-              <a:latin typeface="Roboto"/>
-              <a:ea typeface="Roboto"/>
-              <a:cs typeface="Roboto"/>
-              <a:sym typeface="Roboto"/>
-            </a:endParaRPr>
-          </a:p>
-        </p:txBody>
-      </p:sp>
-      <p:pic>
-        <p:nvPicPr>
-          <p:cNvPr id="136" name="Google Shape;136;p31"/>
-          <p:cNvPicPr preferRelativeResize="0"/>
-          <p:nvPr/>
-        </p:nvPicPr>
-        <p:blipFill rotWithShape="1">
-          <a:blip r:embed="rId3">
-            <a:alphaModFix/>
-          </a:blip>
-          <a:srcRect/>
-          <a:stretch/>
-        </p:blipFill>
-        <p:spPr>
-          <a:xfrm>
-            <a:off x="857275" y="4383575"/>
-            <a:ext cx="702395" cy="702400"/>
-          </a:xfrm>
-          <a:prstGeom prst="rect">
-            <a:avLst/>
-          </a:prstGeom>
-          <a:noFill/>
-          <a:ln>
-            <a:noFill/>
-          </a:ln>
-        </p:spPr>
-      </p:pic>
-      <p:pic>
-        <p:nvPicPr>
-          <p:cNvPr id="137" name="Google Shape;137;p31"/>
-          <p:cNvPicPr preferRelativeResize="0"/>
-          <p:nvPr/>
-        </p:nvPicPr>
-        <p:blipFill rotWithShape="1">
-          <a:blip r:embed="rId4">
-            <a:alphaModFix/>
-          </a:blip>
-          <a:srcRect/>
-          <a:stretch/>
-        </p:blipFill>
-        <p:spPr>
-          <a:xfrm>
-            <a:off x="1737256" y="4383575"/>
-            <a:ext cx="702395" cy="702400"/>
-          </a:xfrm>
-          <a:prstGeom prst="rect">
-            <a:avLst/>
-          </a:prstGeom>
-          <a:noFill/>
-          <a:ln>
-            <a:noFill/>
-          </a:ln>
-        </p:spPr>
-      </p:pic>
-    </p:spTree>
-  </p:cSld>
-  <p:clrMapOvr>
-    <a:masterClrMapping/>
-  </p:clrMapOvr>
-</p:sld>
-</file>
-
-<file path=ppt/slides/slide20.xml><?xml version="1.0" encoding="utf-8"?>
+<file path=ppt/slides/slide21.xml><?xml version="1.0" encoding="utf-8"?>
 <p:sld xmlns:a="http://schemas.openxmlformats.org/drawingml/2006/main" xmlns:r="http://schemas.openxmlformats.org/officeDocument/2006/relationships" xmlns:p="http://schemas.openxmlformats.org/presentationml/2006/main">
   <p:cSld>
     <p:spTree>
@@ -13537,7 +13631,7 @@
 </p:sld>
 </file>
 
-<file path=ppt/slides/slide21.xml><?xml version="1.0" encoding="utf-8"?>
+<file path=ppt/slides/slide22.xml><?xml version="1.0" encoding="utf-8"?>
 <p:sld xmlns:a="http://schemas.openxmlformats.org/drawingml/2006/main" xmlns:r="http://schemas.openxmlformats.org/officeDocument/2006/relationships" xmlns:p="http://schemas.openxmlformats.org/presentationml/2006/main">
   <p:cSld>
     <p:spTree>
@@ -13656,7 +13750,7 @@
 </p:sld>
 </file>
 
-<file path=ppt/slides/slide22.xml><?xml version="1.0" encoding="utf-8"?>
+<file path=ppt/slides/slide23.xml><?xml version="1.0" encoding="utf-8"?>
 <p:sld xmlns:a="http://schemas.openxmlformats.org/drawingml/2006/main" xmlns:r="http://schemas.openxmlformats.org/officeDocument/2006/relationships" xmlns:p="http://schemas.openxmlformats.org/presentationml/2006/main">
   <p:cSld>
     <p:spTree>
@@ -14277,7 +14371,7 @@
 </p:sld>
 </file>
 
-<file path=ppt/slides/slide23.xml><?xml version="1.0" encoding="utf-8"?>
+<file path=ppt/slides/slide24.xml><?xml version="1.0" encoding="utf-8"?>
 <p:sld xmlns:a="http://schemas.openxmlformats.org/drawingml/2006/main" xmlns:r="http://schemas.openxmlformats.org/officeDocument/2006/relationships" xmlns:p="http://schemas.openxmlformats.org/presentationml/2006/main">
   <p:cSld>
     <p:spTree>

--- a/doc/Presentation/Защита проекта.pptx
+++ b/doc/Presentation/Защита проекта.pptx
@@ -17597,36 +17597,6 @@
           <a:chExt cx="0" cy="0"/>
         </a:xfrm>
       </p:grpSpPr>
-      <p:pic>
-        <p:nvPicPr>
-          <p:cNvPr id="5" name="Рисунок 4">
-            <a:extLst>
-              <a:ext uri="{FF2B5EF4-FFF2-40B4-BE49-F238E27FC236}">
-                <a16:creationId xmlns:a16="http://schemas.microsoft.com/office/drawing/2014/main" id="{0261AEF2-80B8-C6C4-2DC9-F2FE98D457D7}"/>
-              </a:ext>
-            </a:extLst>
-          </p:cNvPr>
-          <p:cNvPicPr>
-            <a:picLocks noChangeAspect="1"/>
-          </p:cNvPicPr>
-          <p:nvPr/>
-        </p:nvPicPr>
-        <p:blipFill>
-          <a:blip r:embed="rId3"/>
-          <a:stretch>
-            <a:fillRect/>
-          </a:stretch>
-        </p:blipFill>
-        <p:spPr>
-          <a:xfrm>
-            <a:off x="236002" y="1069362"/>
-            <a:ext cx="8330125" cy="5295579"/>
-          </a:xfrm>
-          <a:prstGeom prst="rect">
-            <a:avLst/>
-          </a:prstGeom>
-        </p:spPr>
-      </p:pic>
       <p:sp>
         <p:nvSpPr>
           <p:cNvPr id="6" name="Заголовок 1">
@@ -17667,6 +17637,36 @@
           </a:p>
         </p:txBody>
       </p:sp>
+      <p:pic>
+        <p:nvPicPr>
+          <p:cNvPr id="3" name="Рисунок 2">
+            <a:extLst>
+              <a:ext uri="{FF2B5EF4-FFF2-40B4-BE49-F238E27FC236}">
+                <a16:creationId xmlns:a16="http://schemas.microsoft.com/office/drawing/2014/main" id="{5C19AD2A-6E5C-4E94-94E9-0044CA4E093C}"/>
+              </a:ext>
+            </a:extLst>
+          </p:cNvPr>
+          <p:cNvPicPr>
+            <a:picLocks noChangeAspect="1"/>
+          </p:cNvPicPr>
+          <p:nvPr/>
+        </p:nvPicPr>
+        <p:blipFill>
+          <a:blip r:embed="rId3"/>
+          <a:stretch>
+            <a:fillRect/>
+          </a:stretch>
+        </p:blipFill>
+        <p:spPr>
+          <a:xfrm>
+            <a:off x="942680" y="1094081"/>
+            <a:ext cx="7805395" cy="5210572"/>
+          </a:xfrm>
+          <a:prstGeom prst="rect">
+            <a:avLst/>
+          </a:prstGeom>
+        </p:spPr>
+      </p:pic>
     </p:spTree>
   </p:cSld>
   <p:clrMapOvr>

--- a/doc/Presentation/Защита проекта.pptx
+++ b/doc/Presentation/Защита проекта.pptx
@@ -5,7 +5,7 @@
     <p:sldMasterId id="2147483675" r:id="rId1"/>
   </p:sldMasterIdLst>
   <p:notesMasterIdLst>
-    <p:notesMasterId r:id="rId26"/>
+    <p:notesMasterId r:id="rId27"/>
   </p:notesMasterIdLst>
   <p:sldIdLst>
     <p:sldId id="256" r:id="rId2"/>
@@ -30,25 +30,26 @@
     <p:sldId id="284" r:id="rId21"/>
     <p:sldId id="285" r:id="rId22"/>
     <p:sldId id="288" r:id="rId23"/>
-    <p:sldId id="265" r:id="rId24"/>
-    <p:sldId id="266" r:id="rId25"/>
+    <p:sldId id="290" r:id="rId24"/>
+    <p:sldId id="265" r:id="rId25"/>
+    <p:sldId id="266" r:id="rId26"/>
   </p:sldIdLst>
   <p:sldSz cx="9144000" cy="6858000" type="screen4x3"/>
   <p:notesSz cx="6858000" cy="9144000"/>
   <p:embeddedFontLst>
     <p:embeddedFont>
       <p:font typeface="Consolas" panose="020B0609020204030204" pitchFamily="49" charset="0"/>
-      <p:regular r:id="rId27"/>
-      <p:bold r:id="rId28"/>
-      <p:italic r:id="rId29"/>
-      <p:boldItalic r:id="rId30"/>
+      <p:regular r:id="rId28"/>
+      <p:bold r:id="rId29"/>
+      <p:italic r:id="rId30"/>
+      <p:boldItalic r:id="rId31"/>
     </p:embeddedFont>
     <p:embeddedFont>
       <p:font typeface="Roboto" panose="02000000000000000000" pitchFamily="2" charset="0"/>
-      <p:regular r:id="rId31"/>
-      <p:bold r:id="rId32"/>
-      <p:italic r:id="rId33"/>
-      <p:boldItalic r:id="rId34"/>
+      <p:regular r:id="rId32"/>
+      <p:bold r:id="rId33"/>
+      <p:italic r:id="rId34"/>
+      <p:boldItalic r:id="rId35"/>
     </p:embeddedFont>
   </p:embeddedFontLst>
   <p:defaultTextStyle>
@@ -13755,6 +13756,125 @@
   <p:cSld>
     <p:spTree>
       <p:nvGrpSpPr>
+        <p:cNvPr id="1" name="">
+          <a:extLst>
+            <a:ext uri="{FF2B5EF4-FFF2-40B4-BE49-F238E27FC236}">
+              <a16:creationId xmlns:a16="http://schemas.microsoft.com/office/drawing/2014/main" id="{0C641689-E66E-7890-4927-4F9F8814C916}"/>
+            </a:ext>
+          </a:extLst>
+        </p:cNvPr>
+        <p:cNvGrpSpPr/>
+        <p:nvPr/>
+      </p:nvGrpSpPr>
+      <p:grpSpPr>
+        <a:xfrm>
+          <a:off x="0" y="0"/>
+          <a:ext cx="0" cy="0"/>
+          <a:chOff x="0" y="0"/>
+          <a:chExt cx="0" cy="0"/>
+        </a:xfrm>
+      </p:grpSpPr>
+      <p:sp>
+        <p:nvSpPr>
+          <p:cNvPr id="2" name="Заголовок 1">
+            <a:extLst>
+              <a:ext uri="{FF2B5EF4-FFF2-40B4-BE49-F238E27FC236}">
+                <a16:creationId xmlns:a16="http://schemas.microsoft.com/office/drawing/2014/main" id="{F1B9BFCB-5F1F-5CED-428B-7D91DA9AC082}"/>
+              </a:ext>
+            </a:extLst>
+          </p:cNvPr>
+          <p:cNvSpPr>
+            <a:spLocks noGrp="1"/>
+          </p:cNvSpPr>
+          <p:nvPr>
+            <p:ph type="title"/>
+          </p:nvPr>
+        </p:nvSpPr>
+        <p:spPr>
+          <a:xfrm>
+            <a:off x="500550" y="440981"/>
+            <a:ext cx="1408932" cy="4516501"/>
+          </a:xfrm>
+        </p:spPr>
+        <p:txBody>
+          <a:bodyPr vert="vert270"/>
+          <a:lstStyle/>
+          <a:p>
+            <a:r>
+              <a:rPr lang="ru-RU" dirty="0"/>
+              <a:t>Сценарное </a:t>
+            </a:r>
+            <a:br>
+              <a:rPr lang="ru-RU" dirty="0"/>
+            </a:br>
+            <a:r>
+              <a:rPr lang="ru-RU" dirty="0"/>
+              <a:t>тестирование</a:t>
+            </a:r>
+            <a:br>
+              <a:rPr lang="ru-RU" dirty="0"/>
+            </a:br>
+            <a:br>
+              <a:rPr lang="ru-RU" dirty="0"/>
+            </a:br>
+            <a:br>
+              <a:rPr lang="ru-RU" sz="1400" dirty="0">
+                <a:latin typeface="Times New Roman" panose="02020603050405020304" pitchFamily="18" charset="0"/>
+                <a:cs typeface="Times New Roman" panose="02020603050405020304" pitchFamily="18" charset="0"/>
+              </a:rPr>
+            </a:br>
+            <a:endParaRPr lang="ru-RU" dirty="0"/>
+          </a:p>
+        </p:txBody>
+      </p:sp>
+      <p:pic>
+        <p:nvPicPr>
+          <p:cNvPr id="4" name="Рисунок 3">
+            <a:extLst>
+              <a:ext uri="{FF2B5EF4-FFF2-40B4-BE49-F238E27FC236}">
+                <a16:creationId xmlns:a16="http://schemas.microsoft.com/office/drawing/2014/main" id="{71AAB5AA-E907-4D2E-8A76-75B5F379018E}"/>
+              </a:ext>
+            </a:extLst>
+          </p:cNvPr>
+          <p:cNvPicPr>
+            <a:picLocks noChangeAspect="1"/>
+          </p:cNvPicPr>
+          <p:nvPr/>
+        </p:nvPicPr>
+        <p:blipFill>
+          <a:blip r:embed="rId2"/>
+          <a:stretch>
+            <a:fillRect/>
+          </a:stretch>
+        </p:blipFill>
+        <p:spPr>
+          <a:xfrm>
+            <a:off x="1711042" y="1155323"/>
+            <a:ext cx="7325509" cy="4688278"/>
+          </a:xfrm>
+          <a:prstGeom prst="rect">
+            <a:avLst/>
+          </a:prstGeom>
+        </p:spPr>
+      </p:pic>
+    </p:spTree>
+    <p:extLst>
+      <p:ext uri="{BB962C8B-B14F-4D97-AF65-F5344CB8AC3E}">
+        <p14:creationId xmlns:p14="http://schemas.microsoft.com/office/powerpoint/2010/main" val="1652248253"/>
+      </p:ext>
+    </p:extLst>
+  </p:cSld>
+  <p:clrMapOvr>
+    <a:masterClrMapping/>
+  </p:clrMapOvr>
+</p:sld>
+</file>
+
+<file path=ppt/slides/slide24.xml><?xml version="1.0" encoding="utf-8"?>
+<p:sld xmlns:a="http://schemas.openxmlformats.org/drawingml/2006/main" xmlns:r="http://schemas.openxmlformats.org/officeDocument/2006/relationships" xmlns:p="http://schemas.openxmlformats.org/presentationml/2006/main">
+  <p:cSld>
+    <p:spTree>
+      <p:nvGrpSpPr>
         <p:cNvPr id="1" name="Shape 201"/>
         <p:cNvGrpSpPr/>
         <p:nvPr/>
@@ -14371,7 +14491,7 @@
 </p:sld>
 </file>
 
-<file path=ppt/slides/slide24.xml><?xml version="1.0" encoding="utf-8"?>
+<file path=ppt/slides/slide25.xml><?xml version="1.0" encoding="utf-8"?>
 <p:sld xmlns:a="http://schemas.openxmlformats.org/drawingml/2006/main" xmlns:r="http://schemas.openxmlformats.org/officeDocument/2006/relationships" xmlns:p="http://schemas.openxmlformats.org/presentationml/2006/main">
   <p:cSld>
     <p:spTree>
